--- a/Marc Kolb PSW - Guided Capstone.pptx
+++ b/Marc Kolb PSW - Guided Capstone.pptx
@@ -257,10 +257,87 @@
       </p15:sldGuideLst>
     </p:ext>
     <p:ext uri="http://customooxmlschemas.google.com/">
-      <go:slidesCustomData xmlns:go="http://customooxmlschemas.google.com/" xmlns:p15="http://schemas.microsoft.com/office/powerpoint/2012/main" xmlns:p14="http://schemas.microsoft.com/office/powerpoint/2010/main" xmlns:com="http://schemas.openxmlformats.org/drawingml/2006/compatibility" xmlns:pvml="urn:schemas-microsoft-com:office:powerpoint" xmlns:v="urn:schemas-microsoft-com:vml" xmlns:o="urn:schemas-microsoft-com:office:office" xmlns:dgm="http://schemas.openxmlformats.org/drawingml/2006/diagram" xmlns:c="http://schemas.openxmlformats.org/drawingml/2006/chart" xmlns:mv="urn:schemas-microsoft-com:mac:vml" xmlns:mc="http://schemas.openxmlformats.org/markup-compatibility/2006" xmlns="" r:id="rId7" roundtripDataSignature="AMtx7mjdo7FECp685JsX7/4pIVeoAktjNA=="/>
+      <go:slidesCustomData xmlns="" xmlns:mc="http://schemas.openxmlformats.org/markup-compatibility/2006" xmlns:mv="urn:schemas-microsoft-com:mac:vml" xmlns:c="http://schemas.openxmlformats.org/drawingml/2006/chart" xmlns:dgm="http://schemas.openxmlformats.org/drawingml/2006/diagram" xmlns:o="urn:schemas-microsoft-com:office:office" xmlns:v="urn:schemas-microsoft-com:vml" xmlns:pvml="urn:schemas-microsoft-com:office:powerpoint" xmlns:com="http://schemas.openxmlformats.org/drawingml/2006/compatibility" xmlns:p14="http://schemas.microsoft.com/office/powerpoint/2010/main" xmlns:p15="http://schemas.microsoft.com/office/powerpoint/2012/main" xmlns:go="http://customooxmlschemas.google.com/" r:id="rId7" roundtripDataSignature="AMtx7mjdo7FECp685JsX7/4pIVeoAktjNA=="/>
     </p:ext>
   </p:extLst>
 </p:presentation>
+</file>
+
+<file path=ppt/changesInfos/changesInfo1.xml><?xml version="1.0" encoding="utf-8"?>
+<pc:chgInfo xmlns:a="http://schemas.openxmlformats.org/drawingml/2006/main" xmlns:r="http://schemas.openxmlformats.org/officeDocument/2006/relationships" xmlns:ac="http://schemas.microsoft.com/office/drawing/2013/main/command" xmlns:pc="http://schemas.microsoft.com/office/powerpoint/2013/main/command">
+  <pc:docChgLst>
+    <pc:chgData name="Marc Kolb" userId="66953f295099ff4a" providerId="LiveId" clId="{C23C76E3-BB27-4802-BD23-2ECCB29D8C19}"/>
+    <pc:docChg chg="undo custSel modSld">
+      <pc:chgData name="Marc Kolb" userId="66953f295099ff4a" providerId="LiveId" clId="{C23C76E3-BB27-4802-BD23-2ECCB29D8C19}" dt="2022-07-19T22:36:42.497" v="1334" actId="20577"/>
+      <pc:docMkLst>
+        <pc:docMk/>
+      </pc:docMkLst>
+      <pc:sldChg chg="modSp mod">
+        <pc:chgData name="Marc Kolb" userId="66953f295099ff4a" providerId="LiveId" clId="{C23C76E3-BB27-4802-BD23-2ECCB29D8C19}" dt="2022-07-19T22:36:42.497" v="1334" actId="20577"/>
+        <pc:sldMkLst>
+          <pc:docMk/>
+          <pc:sldMk cId="0" sldId="256"/>
+        </pc:sldMkLst>
+        <pc:spChg chg="mod">
+          <ac:chgData name="Marc Kolb" userId="66953f295099ff4a" providerId="LiveId" clId="{C23C76E3-BB27-4802-BD23-2ECCB29D8C19}" dt="2022-07-19T22:30:02.833" v="395" actId="20577"/>
+          <ac:spMkLst>
+            <pc:docMk/>
+            <pc:sldMk cId="0" sldId="256"/>
+            <ac:spMk id="34" creationId="{00000000-0000-0000-0000-000000000000}"/>
+          </ac:spMkLst>
+        </pc:spChg>
+        <pc:spChg chg="mod">
+          <ac:chgData name="Marc Kolb" userId="66953f295099ff4a" providerId="LiveId" clId="{C23C76E3-BB27-4802-BD23-2ECCB29D8C19}" dt="2022-07-19T22:31:14.177" v="560" actId="20577"/>
+          <ac:spMkLst>
+            <pc:docMk/>
+            <pc:sldMk cId="0" sldId="256"/>
+            <ac:spMk id="35" creationId="{00000000-0000-0000-0000-000000000000}"/>
+          </ac:spMkLst>
+        </pc:spChg>
+        <pc:spChg chg="mod">
+          <ac:chgData name="Marc Kolb" userId="66953f295099ff4a" providerId="LiveId" clId="{C23C76E3-BB27-4802-BD23-2ECCB29D8C19}" dt="2022-07-19T22:32:55.942" v="827" actId="20577"/>
+          <ac:spMkLst>
+            <pc:docMk/>
+            <pc:sldMk cId="0" sldId="256"/>
+            <ac:spMk id="36" creationId="{00000000-0000-0000-0000-000000000000}"/>
+          </ac:spMkLst>
+        </pc:spChg>
+        <pc:spChg chg="mod">
+          <ac:chgData name="Marc Kolb" userId="66953f295099ff4a" providerId="LiveId" clId="{C23C76E3-BB27-4802-BD23-2ECCB29D8C19}" dt="2022-07-19T22:34:47.043" v="1195" actId="20577"/>
+          <ac:spMkLst>
+            <pc:docMk/>
+            <pc:sldMk cId="0" sldId="256"/>
+            <ac:spMk id="37" creationId="{00000000-0000-0000-0000-000000000000}"/>
+          </ac:spMkLst>
+        </pc:spChg>
+        <pc:spChg chg="mod">
+          <ac:chgData name="Marc Kolb" userId="66953f295099ff4a" providerId="LiveId" clId="{C23C76E3-BB27-4802-BD23-2ECCB29D8C19}" dt="2022-07-19T22:36:42.497" v="1334" actId="20577"/>
+          <ac:spMkLst>
+            <pc:docMk/>
+            <pc:sldMk cId="0" sldId="256"/>
+            <ac:spMk id="38" creationId="{00000000-0000-0000-0000-000000000000}"/>
+          </ac:spMkLst>
+        </pc:spChg>
+        <pc:spChg chg="mod">
+          <ac:chgData name="Marc Kolb" userId="66953f295099ff4a" providerId="LiveId" clId="{C23C76E3-BB27-4802-BD23-2ECCB29D8C19}" dt="2022-07-19T22:36:03.037" v="1277" actId="20577"/>
+          <ac:spMkLst>
+            <pc:docMk/>
+            <pc:sldMk cId="0" sldId="256"/>
+            <ac:spMk id="47" creationId="{00000000-0000-0000-0000-000000000000}"/>
+          </ac:spMkLst>
+        </pc:spChg>
+        <pc:spChg chg="mod">
+          <ac:chgData name="Marc Kolb" userId="66953f295099ff4a" providerId="LiveId" clId="{C23C76E3-BB27-4802-BD23-2ECCB29D8C19}" dt="2022-07-19T22:28:55.786" v="204" actId="20577"/>
+          <ac:spMkLst>
+            <pc:docMk/>
+            <pc:sldMk cId="0" sldId="256"/>
+            <ac:spMk id="48" creationId="{00000000-0000-0000-0000-000000000000}"/>
+          </ac:spMkLst>
+        </pc:spChg>
+      </pc:sldChg>
+    </pc:docChg>
+  </pc:docChgLst>
+</pc:chgInfo>
 </file>
 
 <file path=ppt/notesMasters/notesMaster1.xml><?xml version="1.0" encoding="utf-8"?>
@@ -4736,7 +4813,7 @@
               <a:buNone/>
             </a:pPr>
             <a:r>
-              <a:rPr lang="en-AU" sz="1070" b="1" i="0" u="none" strike="noStrike" cap="none">
+              <a:rPr lang="en-AU" sz="1070" b="1" i="0" u="none" strike="noStrike" cap="none" dirty="0">
                 <a:solidFill>
                   <a:srgbClr val="000000"/>
                 </a:solidFill>
@@ -4745,41 +4822,9 @@
                 <a:cs typeface="Arial"/>
                 <a:sym typeface="Arial"/>
               </a:rPr>
-              <a:t>&lt;Why are </a:t>
+              <a:t>Big Mountain Resort has an outstanding level of quality that needs to be actualized through more appropriate and efficient pricing schemes consistent with other resorts across the country.</a:t>
             </a:r>
-            <a:r>
-              <a:rPr lang="en-AU" sz="1070" b="1"/>
-              <a:t>you</a:t>
-            </a:r>
-            <a:r>
-              <a:rPr lang="en-AU" sz="1070" b="1" i="0" u="none" strike="noStrike" cap="none">
-                <a:solidFill>
-                  <a:srgbClr val="000000"/>
-                </a:solidFill>
-                <a:latin typeface="Arial"/>
-                <a:ea typeface="Arial"/>
-                <a:cs typeface="Arial"/>
-                <a:sym typeface="Arial"/>
-              </a:rPr>
-              <a:t> </a:t>
-            </a:r>
-            <a:r>
-              <a:rPr lang="en-AU" sz="1070" b="1"/>
-              <a:t>working on this problem</a:t>
-            </a:r>
-            <a:r>
-              <a:rPr lang="en-AU" sz="1070" b="1" i="0" u="none" strike="noStrike" cap="none">
-                <a:solidFill>
-                  <a:srgbClr val="000000"/>
-                </a:solidFill>
-                <a:latin typeface="Arial"/>
-                <a:ea typeface="Arial"/>
-                <a:cs typeface="Arial"/>
-                <a:sym typeface="Arial"/>
-              </a:rPr>
-              <a:t>?&gt;</a:t>
-            </a:r>
-            <a:endParaRPr/>
+            <a:endParaRPr dirty="0"/>
           </a:p>
         </p:txBody>
       </p:sp>
@@ -4821,50 +4866,10 @@
               <a:buNone/>
             </a:pPr>
             <a:r>
-              <a:rPr lang="en-AU" sz="1071" b="1" i="0" u="none" strike="noStrike" cap="none">
-                <a:solidFill>
-                  <a:srgbClr val="000000"/>
-                </a:solidFill>
-                <a:latin typeface="Arial"/>
-                <a:ea typeface="Arial"/>
-                <a:cs typeface="Arial"/>
-                <a:sym typeface="Arial"/>
-              </a:rPr>
-              <a:t>&lt;What is the key criteria </a:t>
+              <a:rPr lang="en-AU" sz="1071" b="1" dirty="0"/>
+              <a:t>The profits of Big Mountain Resort will be increased by 10% within the next season.</a:t>
             </a:r>
-            <a:r>
-              <a:rPr lang="en-AU" sz="1071" b="1"/>
-              <a:t>that</a:t>
-            </a:r>
-            <a:r>
-              <a:rPr lang="en-AU" sz="1071" b="1" i="0" u="none" strike="noStrike" cap="none">
-                <a:solidFill>
-                  <a:srgbClr val="000000"/>
-                </a:solidFill>
-                <a:latin typeface="Arial"/>
-                <a:ea typeface="Arial"/>
-                <a:cs typeface="Arial"/>
-                <a:sym typeface="Arial"/>
-              </a:rPr>
-              <a:t> will deem this work </a:t>
-            </a:r>
-            <a:r>
-              <a:rPr lang="en-AU" sz="1071" b="1"/>
-              <a:t>successful</a:t>
-            </a:r>
-            <a:r>
-              <a:rPr lang="en-AU" sz="1071" b="1" i="0" u="none" strike="noStrike" cap="none">
-                <a:solidFill>
-                  <a:srgbClr val="000000"/>
-                </a:solidFill>
-                <a:latin typeface="Arial"/>
-                <a:ea typeface="Arial"/>
-                <a:cs typeface="Arial"/>
-                <a:sym typeface="Arial"/>
-              </a:rPr>
-              <a:t>?&gt;</a:t>
-            </a:r>
-            <a:endParaRPr sz="1071" b="1" i="0" u="none" strike="noStrike" cap="none">
+            <a:endParaRPr sz="1071" b="1" i="0" u="none" strike="noStrike" cap="none" dirty="0">
               <a:solidFill>
                 <a:srgbClr val="000000"/>
               </a:solidFill>
@@ -4914,7 +4919,7 @@
               <a:buNone/>
             </a:pPr>
             <a:r>
-              <a:rPr lang="en-AU" sz="1071" b="0" i="0" u="none" strike="noStrike" cap="none">
+              <a:rPr lang="en-AU" sz="1071" b="0" i="0" u="none" strike="noStrike" cap="none" dirty="0">
                 <a:solidFill>
                   <a:srgbClr val="000000"/>
                 </a:solidFill>
@@ -4923,96 +4928,9 @@
                 <a:cs typeface="Arial"/>
                 <a:sym typeface="Arial"/>
               </a:rPr>
-              <a:t>&lt;</a:t>
+              <a:t>We will be focusing on the pricing schemes of other resorts compared to the trails and lifts as well as other features that increase or provide value to Big Mountain Resort.</a:t>
             </a:r>
-            <a:r>
-              <a:rPr lang="en-AU" sz="1071" b="1" i="0" u="none" strike="noStrike" cap="none">
-                <a:solidFill>
-                  <a:srgbClr val="000000"/>
-                </a:solidFill>
-                <a:latin typeface="Arial"/>
-                <a:ea typeface="Arial"/>
-                <a:cs typeface="Arial"/>
-                <a:sym typeface="Arial"/>
-              </a:rPr>
-              <a:t>What is the focus of this business initiative? </a:t>
-            </a:r>
-            <a:r>
-              <a:rPr lang="en-AU" sz="1071" b="1" i="0" u="none" strike="noStrike" cap="none">
-                <a:solidFill>
-                  <a:srgbClr val="000000"/>
-                </a:solidFill>
-                <a:latin typeface="Arial"/>
-                <a:ea typeface="Arial"/>
-                <a:cs typeface="Arial"/>
-                <a:sym typeface="Arial"/>
-                <a:extLst>
-                  <a:ext uri="http://customooxmlschemas.google.com/">
-                    <go:slidesCustomData xmlns:go="http://customooxmlschemas.google.com/" xmlns:p15="http://schemas.microsoft.com/office/powerpoint/2012/main" xmlns:p14="http://schemas.microsoft.com/office/powerpoint/2010/main" xmlns:com="http://schemas.openxmlformats.org/drawingml/2006/compatibility" xmlns:pvml="urn:schemas-microsoft-com:office:powerpoint" xmlns:v="urn:schemas-microsoft-com:vml" xmlns:o="urn:schemas-microsoft-com:office:office" xmlns:dgm="http://schemas.openxmlformats.org/drawingml/2006/diagram" xmlns:c="http://schemas.openxmlformats.org/drawingml/2006/chart" xmlns:mv="urn:schemas-microsoft-com:mac:vml" xmlns:mc="http://schemas.openxmlformats.org/markup-compatibility/2006" xmlns="" textRoundtripDataId="0"/>
-                  </a:ext>
-                </a:extLst>
-              </a:rPr>
-              <a:t>I.e. What are </a:t>
-            </a:r>
-            <a:r>
-              <a:rPr lang="en-AU" sz="1071" b="1">
-                <a:extLst>
-                  <a:ext uri="http://customooxmlschemas.google.com/">
-                    <go:slidesCustomData xmlns:go="http://customooxmlschemas.google.com/" xmlns:p15="http://schemas.microsoft.com/office/powerpoint/2012/main" xmlns:p14="http://schemas.microsoft.com/office/powerpoint/2010/main" xmlns:com="http://schemas.openxmlformats.org/drawingml/2006/compatibility" xmlns:pvml="urn:schemas-microsoft-com:office:powerpoint" xmlns:v="urn:schemas-microsoft-com:vml" xmlns:o="urn:schemas-microsoft-com:office:office" xmlns:dgm="http://schemas.openxmlformats.org/drawingml/2006/diagram" xmlns:c="http://schemas.openxmlformats.org/drawingml/2006/chart" xmlns:mv="urn:schemas-microsoft-com:mac:vml" xmlns:mc="http://schemas.openxmlformats.org/markup-compatibility/2006" xmlns="" textRoundtripDataId="1"/>
-                  </a:ext>
-                </a:extLst>
-              </a:rPr>
-              <a:t>you</a:t>
-            </a:r>
-            <a:r>
-              <a:rPr lang="en-AU" sz="1071" b="1" i="0" u="none" strike="noStrike" cap="none">
-                <a:solidFill>
-                  <a:srgbClr val="000000"/>
-                </a:solidFill>
-                <a:latin typeface="Arial"/>
-                <a:ea typeface="Arial"/>
-                <a:cs typeface="Arial"/>
-                <a:sym typeface="Arial"/>
-                <a:extLst>
-                  <a:ext uri="http://customooxmlschemas.google.com/">
-                    <go:slidesCustomData xmlns:go="http://customooxmlschemas.google.com/" xmlns:p15="http://schemas.microsoft.com/office/powerpoint/2012/main" xmlns:p14="http://schemas.microsoft.com/office/powerpoint/2010/main" xmlns:com="http://schemas.openxmlformats.org/drawingml/2006/compatibility" xmlns:pvml="urn:schemas-microsoft-com:office:powerpoint" xmlns:v="urn:schemas-microsoft-com:vml" xmlns:o="urn:schemas-microsoft-com:office:office" xmlns:dgm="http://schemas.openxmlformats.org/drawingml/2006/diagram" xmlns:c="http://schemas.openxmlformats.org/drawingml/2006/chart" xmlns:mv="urn:schemas-microsoft-com:mac:vml" xmlns:mc="http://schemas.openxmlformats.org/markup-compatibility/2006" xmlns="" textRoundtripDataId="2"/>
-                  </a:ext>
-                </a:extLst>
-              </a:rPr>
-              <a:t> </a:t>
-            </a:r>
-            <a:r>
-              <a:rPr lang="en-AU" sz="1071" b="1">
-                <a:extLst>
-                  <a:ext uri="http://customooxmlschemas.google.com/">
-                    <go:slidesCustomData xmlns:go="http://customooxmlschemas.google.com/" xmlns:p15="http://schemas.microsoft.com/office/powerpoint/2012/main" xmlns:p14="http://schemas.microsoft.com/office/powerpoint/2010/main" xmlns:com="http://schemas.openxmlformats.org/drawingml/2006/compatibility" xmlns:pvml="urn:schemas-microsoft-com:office:powerpoint" xmlns:v="urn:schemas-microsoft-com:vml" xmlns:o="urn:schemas-microsoft-com:office:office" xmlns:dgm="http://schemas.openxmlformats.org/drawingml/2006/diagram" xmlns:c="http://schemas.openxmlformats.org/drawingml/2006/chart" xmlns:mv="urn:schemas-microsoft-com:mac:vml" xmlns:mc="http://schemas.openxmlformats.org/markup-compatibility/2006" xmlns="" textRoundtripDataId="3"/>
-                  </a:ext>
-                </a:extLst>
-              </a:rPr>
-              <a:t>specific items will you focus on exclusively</a:t>
-            </a:r>
-            <a:r>
-              <a:rPr lang="en-AU" sz="1071" b="1" i="0" u="none" strike="noStrike" cap="none">
-                <a:solidFill>
-                  <a:srgbClr val="000000"/>
-                </a:solidFill>
-                <a:latin typeface="Arial"/>
-                <a:ea typeface="Arial"/>
-                <a:cs typeface="Arial"/>
-                <a:sym typeface="Arial"/>
-                <a:extLst>
-                  <a:ext uri="http://customooxmlschemas.google.com/">
-                    <go:slidesCustomData xmlns:go="http://customooxmlschemas.google.com/" xmlns:p15="http://schemas.microsoft.com/office/powerpoint/2012/main" xmlns:p14="http://schemas.microsoft.com/office/powerpoint/2010/main" xmlns:com="http://schemas.openxmlformats.org/drawingml/2006/compatibility" xmlns:pvml="urn:schemas-microsoft-com:office:powerpoint" xmlns:v="urn:schemas-microsoft-com:vml" xmlns:o="urn:schemas-microsoft-com:office:office" xmlns:dgm="http://schemas.openxmlformats.org/drawingml/2006/diagram" xmlns:c="http://schemas.openxmlformats.org/drawingml/2006/chart" xmlns:mv="urn:schemas-microsoft-com:mac:vml" xmlns:mc="http://schemas.openxmlformats.org/markup-compatibility/2006" xmlns="" textRoundtripDataId="4"/>
-                  </a:ext>
-                </a:extLst>
-              </a:rPr>
-              <a:t>?</a:t>
-            </a:r>
-            <a:r>
-              <a:rPr lang="en-AU" sz="1071" b="1"/>
-              <a:t>&gt;</a:t>
-            </a:r>
-            <a:endParaRPr sz="1400" b="0" i="0" u="none" strike="noStrike" cap="none">
+            <a:endParaRPr sz="1400" b="0" i="0" u="none" strike="noStrike" cap="none" dirty="0">
               <a:solidFill>
                 <a:srgbClr val="000000"/>
               </a:solidFill>
@@ -5062,7 +4980,7 @@
               <a:buNone/>
             </a:pPr>
             <a:r>
-              <a:rPr lang="en-AU" sz="1070" b="1" i="0" u="none" strike="noStrike" cap="none">
+              <a:rPr lang="en-AU" sz="1070" b="1" i="0" u="none" strike="noStrike" cap="none" dirty="0">
                 <a:solidFill>
                   <a:srgbClr val="000000"/>
                 </a:solidFill>
@@ -5071,25 +4989,9 @@
                 <a:cs typeface="Arial"/>
                 <a:sym typeface="Arial"/>
               </a:rPr>
-              <a:t>&lt;What constraints exist </a:t>
+              <a:t>Some problems may arise inasmuch as we have no quantifiable metric for the success of other resorts. We only know that they exist and have a level of success that allows them to continue. We may be able to gauge success through the age of the resort, but that would still not necessary indicate the level of success.</a:t>
             </a:r>
-            <a:r>
-              <a:rPr lang="en-AU" sz="1070" b="1"/>
-              <a:t>that may</a:t>
-            </a:r>
-            <a:r>
-              <a:rPr lang="en-AU" sz="1070" b="1" i="0" u="none" strike="noStrike" cap="none">
-                <a:solidFill>
-                  <a:srgbClr val="000000"/>
-                </a:solidFill>
-                <a:latin typeface="Arial"/>
-                <a:ea typeface="Arial"/>
-                <a:cs typeface="Arial"/>
-                <a:sym typeface="Arial"/>
-              </a:rPr>
-              <a:t> prevent this business initiative from succeeding?&gt;</a:t>
-            </a:r>
-            <a:endParaRPr sz="1070" b="1" i="0" u="none" strike="noStrike" cap="none">
+            <a:endParaRPr sz="1070" b="1" i="0" u="none" strike="noStrike" cap="none" dirty="0">
               <a:solidFill>
                 <a:srgbClr val="000000"/>
               </a:solidFill>
@@ -5139,7 +5041,7 @@
               <a:buNone/>
             </a:pPr>
             <a:r>
-              <a:rPr lang="en-AU" sz="1070" b="1" i="0" u="none" strike="noStrike" cap="none">
+              <a:rPr lang="en-AU" sz="1070" b="1" i="0" u="none" strike="noStrike" cap="none" dirty="0">
                 <a:solidFill>
                   <a:srgbClr val="000000"/>
                 </a:solidFill>
@@ -5148,11 +5050,7 @@
                 <a:cs typeface="Arial"/>
                 <a:sym typeface="Arial"/>
               </a:rPr>
-              <a:t>&lt;What are the key pieces of data </a:t>
-            </a:r>
-            <a:r>
-              <a:rPr lang="en-AU" sz="1070" b="1"/>
-              <a:t>you</a:t>
+              <a:t>A csv file received from Ms. Eisen, </a:t>
             </a:r>
             <a:r>
               <a:rPr lang="en-AU" sz="1070" b="1" i="0" u="none" strike="noStrike" cap="none">
@@ -5164,41 +5062,9 @@
                 <a:cs typeface="Arial"/>
                 <a:sym typeface="Arial"/>
               </a:rPr>
-              <a:t> need to answer the questions </a:t>
+              <a:t>the Database Manager</a:t>
             </a:r>
-            <a:r>
-              <a:rPr lang="en-AU" sz="1070" b="1"/>
-              <a:t>related to the </a:t>
-            </a:r>
-            <a:r>
-              <a:rPr lang="en-AU" sz="1070" b="1" i="0" u="none" strike="noStrike" cap="none">
-                <a:solidFill>
-                  <a:srgbClr val="000000"/>
-                </a:solidFill>
-                <a:latin typeface="Arial"/>
-                <a:ea typeface="Arial"/>
-                <a:cs typeface="Arial"/>
-                <a:sym typeface="Arial"/>
-              </a:rPr>
-              <a:t>problem</a:t>
-            </a:r>
-            <a:r>
-              <a:rPr lang="en-AU" sz="1070" b="1"/>
-              <a:t> you</a:t>
-            </a:r>
-            <a:r>
-              <a:rPr lang="en-AU" sz="1070" b="1" i="0" u="none" strike="noStrike" cap="none">
-                <a:solidFill>
-                  <a:srgbClr val="000000"/>
-                </a:solidFill>
-                <a:latin typeface="Arial"/>
-                <a:ea typeface="Arial"/>
-                <a:cs typeface="Arial"/>
-                <a:sym typeface="Arial"/>
-              </a:rPr>
-              <a:t> are trying to solve?&gt;</a:t>
-            </a:r>
-            <a:endParaRPr sz="1070" b="1" i="0" u="none" strike="noStrike" cap="none">
+            <a:endParaRPr sz="1070" b="1" i="0" u="none" strike="noStrike" cap="none" dirty="0">
               <a:solidFill>
                 <a:srgbClr val="000000"/>
               </a:solidFill>
@@ -5797,7 +5663,7 @@
               <a:buNone/>
             </a:pPr>
             <a:r>
-              <a:rPr lang="en-AU" sz="1071" b="0" i="0" u="none" strike="noStrike" cap="none">
+              <a:rPr lang="en-US" sz="1071" b="0" i="0" u="none" strike="noStrike" cap="none" dirty="0">
                 <a:solidFill>
                   <a:srgbClr val="000000"/>
                 </a:solidFill>
@@ -5806,57 +5672,27 @@
                 <a:cs typeface="Arial"/>
                 <a:sym typeface="Arial"/>
               </a:rPr>
-              <a:t>&lt;</a:t>
+              <a:t>Jimmy Blackburn, Director of Operations</a:t>
             </a:r>
+          </a:p>
+          <a:p>
+            <a:pPr marL="0" marR="0" lvl="0" indent="0" algn="l" rtl="0">
+              <a:lnSpc>
+                <a:spcPct val="100000"/>
+              </a:lnSpc>
+              <a:spcBef>
+                <a:spcPts val="0"/>
+              </a:spcBef>
+              <a:spcAft>
+                <a:spcPts val="0"/>
+              </a:spcAft>
+              <a:buNone/>
+            </a:pPr>
             <a:r>
-              <a:rPr lang="en-AU" sz="1071" b="1"/>
-              <a:t>Who</a:t>
+              <a:rPr lang="en-US" sz="1071" dirty="0"/>
+              <a:t>Alesha Eisen, Database Manager</a:t>
             </a:r>
-            <a:r>
-              <a:rPr lang="en-AU" sz="1071" b="1" i="0" u="none" strike="noStrike" cap="none">
-                <a:solidFill>
-                  <a:srgbClr val="000000"/>
-                </a:solidFill>
-                <a:latin typeface="Arial"/>
-                <a:ea typeface="Arial"/>
-                <a:cs typeface="Arial"/>
-                <a:sym typeface="Arial"/>
-              </a:rPr>
-              <a:t> are the key stakeholders that need to be involved in th</a:t>
-            </a:r>
-            <a:r>
-              <a:rPr lang="en-AU" sz="1071" b="1"/>
-              <a:t>is project</a:t>
-            </a:r>
-            <a:r>
-              <a:rPr lang="en-AU" sz="1071" b="1" i="0" u="none" strike="noStrike" cap="none">
-                <a:solidFill>
-                  <a:srgbClr val="000000"/>
-                </a:solidFill>
-                <a:latin typeface="Arial"/>
-                <a:ea typeface="Arial"/>
-                <a:cs typeface="Arial"/>
-                <a:sym typeface="Arial"/>
-              </a:rPr>
-              <a:t>? </a:t>
-            </a:r>
-            <a:r>
-              <a:rPr lang="en-AU" sz="1071" b="1"/>
-              <a:t>Where will you source your data from and who will you present your recommendation to once you have identified a solution?</a:t>
-            </a:r>
-            <a:r>
-              <a:rPr lang="en-AU" sz="1071" b="1" i="0" u="none" strike="noStrike" cap="none">
-                <a:solidFill>
-                  <a:srgbClr val="000000"/>
-                </a:solidFill>
-                <a:latin typeface="Arial"/>
-                <a:ea typeface="Arial"/>
-                <a:cs typeface="Arial"/>
-                <a:sym typeface="Arial"/>
-              </a:rPr>
-              <a:t>&gt;</a:t>
-            </a:r>
-            <a:endParaRPr sz="1400" b="0" i="0" u="none" strike="noStrike" cap="none">
+            <a:endParaRPr lang="en-US" sz="1400" b="0" i="0" u="none" strike="noStrike" cap="none" dirty="0">
               <a:solidFill>
                 <a:srgbClr val="000000"/>
               </a:solidFill>
@@ -5877,7 +5713,7 @@
         <p:spPr>
           <a:xfrm>
             <a:off x="184140" y="540901"/>
-            <a:ext cx="8584648" cy="492443"/>
+            <a:ext cx="7662522" cy="492443"/>
           </a:xfrm>
           <a:prstGeom prst="rect">
             <a:avLst/>
@@ -5911,7 +5747,7 @@
               <a:buNone/>
             </a:pPr>
             <a:r>
-              <a:rPr lang="en-AU" sz="1400" b="1" i="0" u="none" strike="noStrike" cap="none">
+              <a:rPr lang="en-AU" sz="1400" b="1" i="0" u="none" strike="noStrike" cap="none" dirty="0">
                 <a:solidFill>
                   <a:srgbClr val="000000"/>
                 </a:solidFill>
@@ -5920,25 +5756,13 @@
                 <a:cs typeface="Arial"/>
                 <a:sym typeface="Arial"/>
               </a:rPr>
-              <a:t>&lt;What is the business problem </a:t>
+              <a:t>Big Mountain Resort can increase their profits by </a:t>
             </a:r>
             <a:r>
-              <a:rPr lang="en-AU" b="1"/>
-              <a:t>you</a:t>
+              <a:rPr lang="en-AU" b="1" dirty="0"/>
+              <a:t>10% by adjusting their pricing commiserate with the pricing of similar resorts across the country.</a:t>
             </a:r>
-            <a:r>
-              <a:rPr lang="en-AU" sz="1400" b="1" i="0" u="none" strike="noStrike" cap="none">
-                <a:solidFill>
-                  <a:srgbClr val="000000"/>
-                </a:solidFill>
-                <a:latin typeface="Arial"/>
-                <a:ea typeface="Arial"/>
-                <a:cs typeface="Arial"/>
-                <a:sym typeface="Arial"/>
-              </a:rPr>
-              <a:t> are investigating? (Use SMART principles)&gt;</a:t>
-            </a:r>
-            <a:endParaRPr sz="1400" b="1" i="0" u="none" strike="noStrike" cap="none">
+            <a:endParaRPr sz="1400" b="1" i="0" u="none" strike="noStrike" cap="none" dirty="0">
               <a:solidFill>
                 <a:srgbClr val="000000"/>
               </a:solidFill>
